--- a/WorkplaceAnalytics/manager-insights/manager-insights-rollout.pptx
+++ b/WorkplaceAnalytics/manager-insights/manager-insights-rollout.pptx
@@ -157,9 +157,6 @@
             <p14:sldId id="4323"/>
           </p14:sldIdLst>
         </p14:section>
-        <p14:section name="Appendix" id="{BD26C12F-F020-4324-956A-5F458D51B809}">
-          <p14:sldIdLst/>
-        </p14:section>
       </p14:sectionLst>
     </p:ext>
     <p:ext uri="{EFAFB233-063F-42B5-8137-9DF3F51BA10A}">
@@ -205,7 +202,7 @@
 <file path=ppt/revisionInfo.xml><?xml version="1.0" encoding="utf-8"?>
 <p1510:revInfo xmlns:a="http://schemas.openxmlformats.org/drawingml/2006/main" xmlns:r="http://schemas.openxmlformats.org/officeDocument/2006/relationships" xmlns:p1510="http://schemas.microsoft.com/office/powerpoint/2015/10/main">
   <p1510:revLst>
-    <p1510:client id="{22C95086-8E83-A9C2-2B8D-CDD21110CC0F}" v="2" dt="2020-09-15T17:27:21.932"/>
+    <p1510:client id="{6E976C3A-E4D3-4A42-BCBC-0A5A3D4D2635}" v="4" dt="2021-05-27T23:22:12.498"/>
   </p1510:revLst>
 </p1510:revInfo>
 </file>
@@ -213,175 +210,294 @@
 <file path=ppt/changesInfos/changesInfo1.xml><?xml version="1.0" encoding="utf-8"?>
 <pc:chgInfo xmlns:a="http://schemas.openxmlformats.org/drawingml/2006/main" xmlns:r="http://schemas.openxmlformats.org/officeDocument/2006/relationships" xmlns:ac="http://schemas.microsoft.com/office/drawing/2013/main/command" xmlns:pc="http://schemas.microsoft.com/office/powerpoint/2013/main/command">
   <pc:docChgLst>
-    <pc:chgData name="Michele Dehmer (Steyer Associates Inc)" userId="7702e631-62c5-4b08-8929-5748d2696215" providerId="ADAL" clId="{C8AFF252-9180-4BAF-A208-61BA3111A48F}"/>
-    <pc:docChg chg="custSel modSld">
-      <pc:chgData name="Michele Dehmer (Steyer Associates Inc)" userId="7702e631-62c5-4b08-8929-5748d2696215" providerId="ADAL" clId="{C8AFF252-9180-4BAF-A208-61BA3111A48F}" dt="2020-09-15T17:26:09.608" v="27" actId="6549"/>
+    <pc:chgData name="Michele Dehmer" userId="7702e631-62c5-4b08-8929-5748d2696215" providerId="ADAL" clId="{6E976C3A-E4D3-4A42-BCBC-0A5A3D4D2635}"/>
+    <pc:docChg chg="undo custSel modSld delSection">
+      <pc:chgData name="Michele Dehmer" userId="7702e631-62c5-4b08-8929-5748d2696215" providerId="ADAL" clId="{6E976C3A-E4D3-4A42-BCBC-0A5A3D4D2635}" dt="2021-05-27T23:22:28.956" v="783" actId="17851"/>
       <pc:docMkLst>
         <pc:docMk/>
       </pc:docMkLst>
       <pc:sldChg chg="modSp mod">
-        <pc:chgData name="Michele Dehmer (Steyer Associates Inc)" userId="7702e631-62c5-4b08-8929-5748d2696215" providerId="ADAL" clId="{C8AFF252-9180-4BAF-A208-61BA3111A48F}" dt="2020-09-15T17:26:09.608" v="27" actId="6549"/>
+        <pc:chgData name="Michele Dehmer" userId="7702e631-62c5-4b08-8929-5748d2696215" providerId="ADAL" clId="{6E976C3A-E4D3-4A42-BCBC-0A5A3D4D2635}" dt="2021-05-27T23:07:14.668" v="214" actId="6549"/>
         <pc:sldMkLst>
           <pc:docMk/>
-          <pc:sldMk cId="3353684380" sldId="527"/>
+          <pc:sldMk cId="1159646772" sldId="286"/>
         </pc:sldMkLst>
         <pc:spChg chg="mod">
-          <ac:chgData name="Michele Dehmer (Steyer Associates Inc)" userId="7702e631-62c5-4b08-8929-5748d2696215" providerId="ADAL" clId="{C8AFF252-9180-4BAF-A208-61BA3111A48F}" dt="2020-09-15T17:26:09.608" v="27" actId="6549"/>
+          <ac:chgData name="Michele Dehmer" userId="7702e631-62c5-4b08-8929-5748d2696215" providerId="ADAL" clId="{6E976C3A-E4D3-4A42-BCBC-0A5A3D4D2635}" dt="2021-05-27T23:06:36.550" v="209" actId="20577"/>
           <ac:spMkLst>
             <pc:docMk/>
-            <pc:sldMk cId="3353684380" sldId="527"/>
-            <ac:spMk id="11" creationId="{456CF351-42BA-4D8C-9BD1-88D0AD101DD6}"/>
+            <pc:sldMk cId="1159646772" sldId="286"/>
+            <ac:spMk id="3" creationId="{89578AC2-1183-456A-BFE6-1E474857F8E2}"/>
+          </ac:spMkLst>
+        </pc:spChg>
+        <pc:spChg chg="mod">
+          <ac:chgData name="Michele Dehmer" userId="7702e631-62c5-4b08-8929-5748d2696215" providerId="ADAL" clId="{6E976C3A-E4D3-4A42-BCBC-0A5A3D4D2635}" dt="2021-05-27T23:07:14.668" v="214" actId="6549"/>
+          <ac:spMkLst>
+            <pc:docMk/>
+            <pc:sldMk cId="1159646772" sldId="286"/>
+            <ac:spMk id="7" creationId="{9083D7ED-9CCC-49D8-B2A0-D524802890BB}"/>
           </ac:spMkLst>
         </pc:spChg>
       </pc:sldChg>
       <pc:sldChg chg="modSp mod">
-        <pc:chgData name="Michele Dehmer (Steyer Associates Inc)" userId="7702e631-62c5-4b08-8929-5748d2696215" providerId="ADAL" clId="{C8AFF252-9180-4BAF-A208-61BA3111A48F}" dt="2020-09-15T17:25:09.309" v="6" actId="20577"/>
+        <pc:chgData name="Michele Dehmer" userId="7702e631-62c5-4b08-8929-5748d2696215" providerId="ADAL" clId="{6E976C3A-E4D3-4A42-BCBC-0A5A3D4D2635}" dt="2021-05-27T23:17:14.533" v="605" actId="20577"/>
         <pc:sldMkLst>
           <pc:docMk/>
-          <pc:sldMk cId="992884556" sldId="4348"/>
+          <pc:sldMk cId="4249954895" sldId="4304"/>
         </pc:sldMkLst>
         <pc:spChg chg="mod">
-          <ac:chgData name="Michele Dehmer (Steyer Associates Inc)" userId="7702e631-62c5-4b08-8929-5748d2696215" providerId="ADAL" clId="{C8AFF252-9180-4BAF-A208-61BA3111A48F}" dt="2020-09-15T17:25:09.309" v="6" actId="20577"/>
+          <ac:chgData name="Michele Dehmer" userId="7702e631-62c5-4b08-8929-5748d2696215" providerId="ADAL" clId="{6E976C3A-E4D3-4A42-BCBC-0A5A3D4D2635}" dt="2021-05-27T23:17:14.533" v="605" actId="20577"/>
           <ac:spMkLst>
             <pc:docMk/>
-            <pc:sldMk cId="992884556" sldId="4348"/>
-            <ac:spMk id="3" creationId="{814E31E2-ED39-40DD-BE24-C35DA16A7D8B}"/>
-          </ac:spMkLst>
-        </pc:spChg>
-        <pc:spChg chg="mod">
-          <ac:chgData name="Michele Dehmer (Steyer Associates Inc)" userId="7702e631-62c5-4b08-8929-5748d2696215" providerId="ADAL" clId="{C8AFF252-9180-4BAF-A208-61BA3111A48F}" dt="2020-09-15T17:24:56.868" v="3" actId="20577"/>
-          <ac:spMkLst>
-            <pc:docMk/>
-            <pc:sldMk cId="992884556" sldId="4348"/>
-            <ac:spMk id="79" creationId="{5D66115D-8A4B-41C9-9E2D-CEC2686FCEA7}"/>
-          </ac:spMkLst>
-        </pc:spChg>
-        <pc:spChg chg="mod">
-          <ac:chgData name="Michele Dehmer (Steyer Associates Inc)" userId="7702e631-62c5-4b08-8929-5748d2696215" providerId="ADAL" clId="{C8AFF252-9180-4BAF-A208-61BA3111A48F}" dt="2020-09-15T17:25:01.243" v="4" actId="6549"/>
-          <ac:spMkLst>
-            <pc:docMk/>
-            <pc:sldMk cId="992884556" sldId="4348"/>
+            <pc:sldMk cId="4249954895" sldId="4304"/>
             <ac:spMk id="98" creationId="{FBB42179-EE08-45E5-9554-2DE21093CD53}"/>
           </ac:spMkLst>
         </pc:spChg>
       </pc:sldChg>
       <pc:sldChg chg="modSp mod">
-        <pc:chgData name="Michele Dehmer (Steyer Associates Inc)" userId="7702e631-62c5-4b08-8929-5748d2696215" providerId="ADAL" clId="{C8AFF252-9180-4BAF-A208-61BA3111A48F}" dt="2020-09-15T17:24:21.399" v="0" actId="20577"/>
+        <pc:chgData name="Michele Dehmer" userId="7702e631-62c5-4b08-8929-5748d2696215" providerId="ADAL" clId="{6E976C3A-E4D3-4A42-BCBC-0A5A3D4D2635}" dt="2021-05-27T23:17:09.036" v="604" actId="20577"/>
+        <pc:sldMkLst>
+          <pc:docMk/>
+          <pc:sldMk cId="3766467732" sldId="4306"/>
+        </pc:sldMkLst>
+        <pc:spChg chg="mod">
+          <ac:chgData name="Michele Dehmer" userId="7702e631-62c5-4b08-8929-5748d2696215" providerId="ADAL" clId="{6E976C3A-E4D3-4A42-BCBC-0A5A3D4D2635}" dt="2021-05-27T23:17:04.340" v="603" actId="6549"/>
+          <ac:spMkLst>
+            <pc:docMk/>
+            <pc:sldMk cId="3766467732" sldId="4306"/>
+            <ac:spMk id="3" creationId="{814E31E2-ED39-40DD-BE24-C35DA16A7D8B}"/>
+          </ac:spMkLst>
+        </pc:spChg>
+        <pc:spChg chg="mod">
+          <ac:chgData name="Michele Dehmer" userId="7702e631-62c5-4b08-8929-5748d2696215" providerId="ADAL" clId="{6E976C3A-E4D3-4A42-BCBC-0A5A3D4D2635}" dt="2021-05-27T23:17:09.036" v="604" actId="20577"/>
+          <ac:spMkLst>
+            <pc:docMk/>
+            <pc:sldMk cId="3766467732" sldId="4306"/>
+            <ac:spMk id="98" creationId="{FBB42179-EE08-45E5-9554-2DE21093CD53}"/>
+          </ac:spMkLst>
+        </pc:spChg>
+      </pc:sldChg>
+      <pc:sldChg chg="modSp mod">
+        <pc:chgData name="Michele Dehmer" userId="7702e631-62c5-4b08-8929-5748d2696215" providerId="ADAL" clId="{6E976C3A-E4D3-4A42-BCBC-0A5A3D4D2635}" dt="2021-05-27T23:17:21.248" v="607" actId="20577"/>
+        <pc:sldMkLst>
+          <pc:docMk/>
+          <pc:sldMk cId="4175479328" sldId="4324"/>
+        </pc:sldMkLst>
+        <pc:spChg chg="mod">
+          <ac:chgData name="Michele Dehmer" userId="7702e631-62c5-4b08-8929-5748d2696215" providerId="ADAL" clId="{6E976C3A-E4D3-4A42-BCBC-0A5A3D4D2635}" dt="2021-05-27T23:15:39.693" v="595" actId="313"/>
+          <ac:spMkLst>
+            <pc:docMk/>
+            <pc:sldMk cId="4175479328" sldId="4324"/>
+            <ac:spMk id="15" creationId="{265B897F-0F30-494D-B31A-25383187E2D5}"/>
+          </ac:spMkLst>
+        </pc:spChg>
+        <pc:spChg chg="mod">
+          <ac:chgData name="Michele Dehmer" userId="7702e631-62c5-4b08-8929-5748d2696215" providerId="ADAL" clId="{6E976C3A-E4D3-4A42-BCBC-0A5A3D4D2635}" dt="2021-05-27T23:17:21.248" v="607" actId="20577"/>
+          <ac:spMkLst>
+            <pc:docMk/>
+            <pc:sldMk cId="4175479328" sldId="4324"/>
+            <ac:spMk id="98" creationId="{FBB42179-EE08-45E5-9554-2DE21093CD53}"/>
+          </ac:spMkLst>
+        </pc:spChg>
+      </pc:sldChg>
+      <pc:sldChg chg="modSp mod">
+        <pc:chgData name="Michele Dehmer" userId="7702e631-62c5-4b08-8929-5748d2696215" providerId="ADAL" clId="{6E976C3A-E4D3-4A42-BCBC-0A5A3D4D2635}" dt="2021-05-27T23:17:28.421" v="610" actId="20577"/>
+        <pc:sldMkLst>
+          <pc:docMk/>
+          <pc:sldMk cId="3276566288" sldId="4339"/>
+        </pc:sldMkLst>
+        <pc:spChg chg="mod">
+          <ac:chgData name="Michele Dehmer" userId="7702e631-62c5-4b08-8929-5748d2696215" providerId="ADAL" clId="{6E976C3A-E4D3-4A42-BCBC-0A5A3D4D2635}" dt="2021-05-27T23:17:28.421" v="610" actId="20577"/>
+          <ac:spMkLst>
+            <pc:docMk/>
+            <pc:sldMk cId="3276566288" sldId="4339"/>
+            <ac:spMk id="79" creationId="{5D66115D-8A4B-41C9-9E2D-CEC2686FCEA7}"/>
+          </ac:spMkLst>
+        </pc:spChg>
+      </pc:sldChg>
+      <pc:sldChg chg="modSp mod">
+        <pc:chgData name="Michele Dehmer" userId="7702e631-62c5-4b08-8929-5748d2696215" providerId="ADAL" clId="{6E976C3A-E4D3-4A42-BCBC-0A5A3D4D2635}" dt="2021-05-27T23:18:12.244" v="657" actId="20577"/>
+        <pc:sldMkLst>
+          <pc:docMk/>
+          <pc:sldMk cId="3787960527" sldId="4341"/>
+        </pc:sldMkLst>
+        <pc:spChg chg="mod">
+          <ac:chgData name="Michele Dehmer" userId="7702e631-62c5-4b08-8929-5748d2696215" providerId="ADAL" clId="{6E976C3A-E4D3-4A42-BCBC-0A5A3D4D2635}" dt="2021-05-27T23:18:12.244" v="657" actId="20577"/>
+          <ac:spMkLst>
+            <pc:docMk/>
+            <pc:sldMk cId="3787960527" sldId="4341"/>
+            <ac:spMk id="3" creationId="{814E31E2-ED39-40DD-BE24-C35DA16A7D8B}"/>
+          </ac:spMkLst>
+        </pc:spChg>
+        <pc:spChg chg="mod">
+          <ac:chgData name="Michele Dehmer" userId="7702e631-62c5-4b08-8929-5748d2696215" providerId="ADAL" clId="{6E976C3A-E4D3-4A42-BCBC-0A5A3D4D2635}" dt="2021-05-27T23:16:17.152" v="601" actId="20577"/>
+          <ac:spMkLst>
+            <pc:docMk/>
+            <pc:sldMk cId="3787960527" sldId="4341"/>
+            <ac:spMk id="15" creationId="{265B897F-0F30-494D-B31A-25383187E2D5}"/>
+          </ac:spMkLst>
+        </pc:spChg>
+        <pc:spChg chg="mod">
+          <ac:chgData name="Michele Dehmer" userId="7702e631-62c5-4b08-8929-5748d2696215" providerId="ADAL" clId="{6E976C3A-E4D3-4A42-BCBC-0A5A3D4D2635}" dt="2021-05-27T23:17:57.742" v="653" actId="20577"/>
+          <ac:spMkLst>
+            <pc:docMk/>
+            <pc:sldMk cId="3787960527" sldId="4341"/>
+            <ac:spMk id="98" creationId="{FBB42179-EE08-45E5-9554-2DE21093CD53}"/>
+          </ac:spMkLst>
+        </pc:spChg>
+      </pc:sldChg>
+      <pc:sldChg chg="modSp mod">
+        <pc:chgData name="Michele Dehmer" userId="7702e631-62c5-4b08-8929-5748d2696215" providerId="ADAL" clId="{6E976C3A-E4D3-4A42-BCBC-0A5A3D4D2635}" dt="2021-05-27T23:21:58.779" v="782" actId="20577"/>
+        <pc:sldMkLst>
+          <pc:docMk/>
+          <pc:sldMk cId="1835587070" sldId="4342"/>
+        </pc:sldMkLst>
+        <pc:spChg chg="mod">
+          <ac:chgData name="Michele Dehmer" userId="7702e631-62c5-4b08-8929-5748d2696215" providerId="ADAL" clId="{6E976C3A-E4D3-4A42-BCBC-0A5A3D4D2635}" dt="2021-05-27T23:21:58.779" v="782" actId="20577"/>
+          <ac:spMkLst>
+            <pc:docMk/>
+            <pc:sldMk cId="1835587070" sldId="4342"/>
+            <ac:spMk id="98" creationId="{FBB42179-EE08-45E5-9554-2DE21093CD53}"/>
+          </ac:spMkLst>
+        </pc:spChg>
+      </pc:sldChg>
+      <pc:sldChg chg="modSp mod">
+        <pc:chgData name="Michele Dehmer" userId="7702e631-62c5-4b08-8929-5748d2696215" providerId="ADAL" clId="{6E976C3A-E4D3-4A42-BCBC-0A5A3D4D2635}" dt="2021-05-27T23:18:40.598" v="659" actId="20577"/>
+        <pc:sldMkLst>
+          <pc:docMk/>
+          <pc:sldMk cId="3814011509" sldId="4343"/>
+        </pc:sldMkLst>
+        <pc:spChg chg="mod">
+          <ac:chgData name="Michele Dehmer" userId="7702e631-62c5-4b08-8929-5748d2696215" providerId="ADAL" clId="{6E976C3A-E4D3-4A42-BCBC-0A5A3D4D2635}" dt="2021-05-27T23:18:40.598" v="659" actId="20577"/>
+          <ac:spMkLst>
+            <pc:docMk/>
+            <pc:sldMk cId="3814011509" sldId="4343"/>
+            <ac:spMk id="5" creationId="{EA233E2B-95CA-43B3-A1DD-6C8A9E9FDBD1}"/>
+          </ac:spMkLst>
+        </pc:spChg>
+        <pc:spChg chg="mod">
+          <ac:chgData name="Michele Dehmer" userId="7702e631-62c5-4b08-8929-5748d2696215" providerId="ADAL" clId="{6E976C3A-E4D3-4A42-BCBC-0A5A3D4D2635}" dt="2021-05-27T23:05:03.779" v="106"/>
+          <ac:spMkLst>
+            <pc:docMk/>
+            <pc:sldMk cId="3814011509" sldId="4343"/>
+            <ac:spMk id="15" creationId="{265B897F-0F30-494D-B31A-25383187E2D5}"/>
+          </ac:spMkLst>
+        </pc:spChg>
+      </pc:sldChg>
+      <pc:sldChg chg="modSp mod">
+        <pc:chgData name="Michele Dehmer" userId="7702e631-62c5-4b08-8929-5748d2696215" providerId="ADAL" clId="{6E976C3A-E4D3-4A42-BCBC-0A5A3D4D2635}" dt="2021-05-27T23:09:48.362" v="261" actId="20577"/>
+        <pc:sldMkLst>
+          <pc:docMk/>
+          <pc:sldMk cId="2094578463" sldId="4353"/>
+        </pc:sldMkLst>
+        <pc:spChg chg="mod">
+          <ac:chgData name="Michele Dehmer" userId="7702e631-62c5-4b08-8929-5748d2696215" providerId="ADAL" clId="{6E976C3A-E4D3-4A42-BCBC-0A5A3D4D2635}" dt="2021-05-27T23:08:54.778" v="241" actId="6549"/>
+          <ac:spMkLst>
+            <pc:docMk/>
+            <pc:sldMk cId="2094578463" sldId="4353"/>
+            <ac:spMk id="3" creationId="{89578AC2-1183-456A-BFE6-1E474857F8E2}"/>
+          </ac:spMkLst>
+        </pc:spChg>
+        <pc:spChg chg="mod">
+          <ac:chgData name="Michele Dehmer" userId="7702e631-62c5-4b08-8929-5748d2696215" providerId="ADAL" clId="{6E976C3A-E4D3-4A42-BCBC-0A5A3D4D2635}" dt="2021-05-27T23:09:48.362" v="261" actId="20577"/>
+          <ac:spMkLst>
+            <pc:docMk/>
+            <pc:sldMk cId="2094578463" sldId="4353"/>
+            <ac:spMk id="7" creationId="{9083D7ED-9CCC-49D8-B2A0-D524802890BB}"/>
+          </ac:spMkLst>
+        </pc:spChg>
+      </pc:sldChg>
+      <pc:sldChg chg="modSp mod">
+        <pc:chgData name="Michele Dehmer" userId="7702e631-62c5-4b08-8929-5748d2696215" providerId="ADAL" clId="{6E976C3A-E4D3-4A42-BCBC-0A5A3D4D2635}" dt="2021-05-27T23:15:05.124" v="590" actId="14100"/>
         <pc:sldMkLst>
           <pc:docMk/>
           <pc:sldMk cId="552331868" sldId="4354"/>
         </pc:sldMkLst>
         <pc:spChg chg="mod">
-          <ac:chgData name="Michele Dehmer (Steyer Associates Inc)" userId="7702e631-62c5-4b08-8929-5748d2696215" providerId="ADAL" clId="{C8AFF252-9180-4BAF-A208-61BA3111A48F}" dt="2020-09-15T17:24:21.399" v="0" actId="20577"/>
+          <ac:chgData name="Michele Dehmer" userId="7702e631-62c5-4b08-8929-5748d2696215" providerId="ADAL" clId="{6E976C3A-E4D3-4A42-BCBC-0A5A3D4D2635}" dt="2021-05-27T23:13:26.617" v="524" actId="20577"/>
+          <ac:spMkLst>
+            <pc:docMk/>
+            <pc:sldMk cId="552331868" sldId="4354"/>
+            <ac:spMk id="2" creationId="{00000000-0000-0000-0000-000000000000}"/>
+          </ac:spMkLst>
+        </pc:spChg>
+        <pc:spChg chg="mod">
+          <ac:chgData name="Michele Dehmer" userId="7702e631-62c5-4b08-8929-5748d2696215" providerId="ADAL" clId="{6E976C3A-E4D3-4A42-BCBC-0A5A3D4D2635}" dt="2021-05-27T23:13:31.597" v="525" actId="1076"/>
           <ac:spMkLst>
             <pc:docMk/>
             <pc:sldMk cId="552331868" sldId="4354"/>
             <ac:spMk id="3" creationId="{89578AC2-1183-456A-BFE6-1E474857F8E2}"/>
           </ac:spMkLst>
         </pc:spChg>
+        <pc:spChg chg="mod">
+          <ac:chgData name="Michele Dehmer" userId="7702e631-62c5-4b08-8929-5748d2696215" providerId="ADAL" clId="{6E976C3A-E4D3-4A42-BCBC-0A5A3D4D2635}" dt="2021-05-27T23:05:03.779" v="106"/>
+          <ac:spMkLst>
+            <pc:docMk/>
+            <pc:sldMk cId="552331868" sldId="4354"/>
+            <ac:spMk id="6" creationId="{DBE47728-77F1-4A93-9F68-A75B951CBA0A}"/>
+          </ac:spMkLst>
+        </pc:spChg>
+        <pc:spChg chg="mod">
+          <ac:chgData name="Michele Dehmer" userId="7702e631-62c5-4b08-8929-5748d2696215" providerId="ADAL" clId="{6E976C3A-E4D3-4A42-BCBC-0A5A3D4D2635}" dt="2021-05-27T23:14:59.579" v="589" actId="20577"/>
+          <ac:spMkLst>
+            <pc:docMk/>
+            <pc:sldMk cId="552331868" sldId="4354"/>
+            <ac:spMk id="7" creationId="{9083D7ED-9CCC-49D8-B2A0-D524802890BB}"/>
+          </ac:spMkLst>
+        </pc:spChg>
+        <pc:spChg chg="mod">
+          <ac:chgData name="Michele Dehmer" userId="7702e631-62c5-4b08-8929-5748d2696215" providerId="ADAL" clId="{6E976C3A-E4D3-4A42-BCBC-0A5A3D4D2635}" dt="2021-05-27T23:05:03.779" v="106"/>
+          <ac:spMkLst>
+            <pc:docMk/>
+            <pc:sldMk cId="552331868" sldId="4354"/>
+            <ac:spMk id="8" creationId="{FB035F12-0C91-409A-957D-61C35CEAED93}"/>
+          </ac:spMkLst>
+        </pc:spChg>
+        <pc:spChg chg="mod">
+          <ac:chgData name="Michele Dehmer" userId="7702e631-62c5-4b08-8929-5748d2696215" providerId="ADAL" clId="{6E976C3A-E4D3-4A42-BCBC-0A5A3D4D2635}" dt="2021-05-27T23:14:00.633" v="552" actId="20577"/>
+          <ac:spMkLst>
+            <pc:docMk/>
+            <pc:sldMk cId="552331868" sldId="4354"/>
+            <ac:spMk id="18" creationId="{F01AA111-41FB-4AB6-8B31-83890AD12957}"/>
+          </ac:spMkLst>
+        </pc:spChg>
+        <pc:spChg chg="mod">
+          <ac:chgData name="Michele Dehmer" userId="7702e631-62c5-4b08-8929-5748d2696215" providerId="ADAL" clId="{6E976C3A-E4D3-4A42-BCBC-0A5A3D4D2635}" dt="2021-05-27T23:14:04.791" v="554" actId="20577"/>
+          <ac:spMkLst>
+            <pc:docMk/>
+            <pc:sldMk cId="552331868" sldId="4354"/>
+            <ac:spMk id="19" creationId="{16961269-D856-41EA-95DE-BA3C0BC66F24}"/>
+          </ac:spMkLst>
+        </pc:spChg>
+        <pc:grpChg chg="mod">
+          <ac:chgData name="Michele Dehmer" userId="7702e631-62c5-4b08-8929-5748d2696215" providerId="ADAL" clId="{6E976C3A-E4D3-4A42-BCBC-0A5A3D4D2635}" dt="2021-05-27T23:15:05.124" v="590" actId="14100"/>
+          <ac:grpSpMkLst>
+            <pc:docMk/>
+            <pc:sldMk cId="552331868" sldId="4354"/>
+            <ac:grpSpMk id="9" creationId="{D0F00ED5-2CB5-4DE6-99A7-7074941D19DC}"/>
+          </ac:grpSpMkLst>
+        </pc:grpChg>
+        <pc:graphicFrameChg chg="modGraphic">
+          <ac:chgData name="Michele Dehmer" userId="7702e631-62c5-4b08-8929-5748d2696215" providerId="ADAL" clId="{6E976C3A-E4D3-4A42-BCBC-0A5A3D4D2635}" dt="2021-05-27T23:14:26.644" v="562" actId="20577"/>
+          <ac:graphicFrameMkLst>
+            <pc:docMk/>
+            <pc:sldMk cId="552331868" sldId="4354"/>
+            <ac:graphicFrameMk id="10" creationId="{BBB87E33-1682-4667-93AA-CABF27F65C8D}"/>
+          </ac:graphicFrameMkLst>
+        </pc:graphicFrameChg>
       </pc:sldChg>
       <pc:sldChg chg="modSp mod">
-        <pc:chgData name="Michele Dehmer (Steyer Associates Inc)" userId="7702e631-62c5-4b08-8929-5748d2696215" providerId="ADAL" clId="{C8AFF252-9180-4BAF-A208-61BA3111A48F}" dt="2020-09-15T17:24:28.198" v="1" actId="313"/>
+        <pc:chgData name="Michele Dehmer" userId="7702e631-62c5-4b08-8929-5748d2696215" providerId="ADAL" clId="{6E976C3A-E4D3-4A42-BCBC-0A5A3D4D2635}" dt="2021-05-27T23:15:19.561" v="591" actId="313"/>
         <pc:sldMkLst>
           <pc:docMk/>
           <pc:sldMk cId="3486517413" sldId="4355"/>
         </pc:sldMkLst>
         <pc:spChg chg="mod">
-          <ac:chgData name="Michele Dehmer (Steyer Associates Inc)" userId="7702e631-62c5-4b08-8929-5748d2696215" providerId="ADAL" clId="{C8AFF252-9180-4BAF-A208-61BA3111A48F}" dt="2020-09-15T17:24:28.198" v="1" actId="313"/>
+          <ac:chgData name="Michele Dehmer" userId="7702e631-62c5-4b08-8929-5748d2696215" providerId="ADAL" clId="{6E976C3A-E4D3-4A42-BCBC-0A5A3D4D2635}" dt="2021-05-27T23:15:19.561" v="591" actId="313"/>
           <ac:spMkLst>
             <pc:docMk/>
             <pc:sldMk cId="3486517413" sldId="4355"/>
             <ac:spMk id="3" creationId="{89578AC2-1183-456A-BFE6-1E474857F8E2}"/>
-          </ac:spMkLst>
-        </pc:spChg>
-      </pc:sldChg>
-    </pc:docChg>
-  </pc:docChgLst>
-  <pc:docChgLst>
-    <pc:chgData name="Radha Selvaraj" userId="6a745854-71e1-4c33-b789-ef8df19767bb" providerId="ADAL" clId="{7FEF74C0-764A-487B-871C-6F407CE06956}"/>
-    <pc:docChg chg="custSel modSld">
-      <pc:chgData name="Radha Selvaraj" userId="6a745854-71e1-4c33-b789-ef8df19767bb" providerId="ADAL" clId="{7FEF74C0-764A-487B-871C-6F407CE06956}" dt="2020-09-08T20:36:27.455" v="13" actId="1592"/>
-      <pc:docMkLst>
-        <pc:docMk/>
-      </pc:docMkLst>
-      <pc:sldChg chg="delCm">
-        <pc:chgData name="Radha Selvaraj" userId="6a745854-71e1-4c33-b789-ef8df19767bb" providerId="ADAL" clId="{7FEF74C0-764A-487B-871C-6F407CE06956}" dt="2020-09-08T20:36:27.455" v="13" actId="1592"/>
-        <pc:sldMkLst>
-          <pc:docMk/>
-          <pc:sldMk cId="1159646772" sldId="286"/>
-        </pc:sldMkLst>
-      </pc:sldChg>
-      <pc:sldChg chg="delCm">
-        <pc:chgData name="Radha Selvaraj" userId="6a745854-71e1-4c33-b789-ef8df19767bb" providerId="ADAL" clId="{7FEF74C0-764A-487B-871C-6F407CE06956}" dt="2020-09-08T20:35:37.231" v="8" actId="1592"/>
-        <pc:sldMkLst>
-          <pc:docMk/>
-          <pc:sldMk cId="4249954895" sldId="4304"/>
-        </pc:sldMkLst>
-      </pc:sldChg>
-      <pc:sldChg chg="delCm">
-        <pc:chgData name="Radha Selvaraj" userId="6a745854-71e1-4c33-b789-ef8df19767bb" providerId="ADAL" clId="{7FEF74C0-764A-487B-871C-6F407CE06956}" dt="2020-09-08T20:35:27.670" v="7" actId="1592"/>
-        <pc:sldMkLst>
-          <pc:docMk/>
-          <pc:sldMk cId="4175479328" sldId="4324"/>
-        </pc:sldMkLst>
-      </pc:sldChg>
-      <pc:sldChg chg="delCm">
-        <pc:chgData name="Radha Selvaraj" userId="6a745854-71e1-4c33-b789-ef8df19767bb" providerId="ADAL" clId="{7FEF74C0-764A-487B-871C-6F407CE06956}" dt="2020-09-08T20:35:15.172" v="6" actId="1592"/>
-        <pc:sldMkLst>
-          <pc:docMk/>
-          <pc:sldMk cId="3814011509" sldId="4343"/>
-        </pc:sldMkLst>
-      </pc:sldChg>
-      <pc:sldChg chg="modSp mod delCm modCm">
-        <pc:chgData name="Radha Selvaraj" userId="6a745854-71e1-4c33-b789-ef8df19767bb" providerId="ADAL" clId="{7FEF74C0-764A-487B-871C-6F407CE06956}" dt="2020-09-08T20:34:58.076" v="5" actId="20577"/>
-        <pc:sldMkLst>
-          <pc:docMk/>
-          <pc:sldMk cId="3755896716" sldId="4351"/>
-        </pc:sldMkLst>
-        <pc:spChg chg="mod">
-          <ac:chgData name="Radha Selvaraj" userId="6a745854-71e1-4c33-b789-ef8df19767bb" providerId="ADAL" clId="{7FEF74C0-764A-487B-871C-6F407CE06956}" dt="2020-09-08T20:34:58.076" v="5" actId="20577"/>
-          <ac:spMkLst>
-            <pc:docMk/>
-            <pc:sldMk cId="3755896716" sldId="4351"/>
-            <ac:spMk id="5" creationId="{70259D2A-7AE0-4C25-BF9C-D7722BF87E2B}"/>
-          </ac:spMkLst>
-        </pc:spChg>
-      </pc:sldChg>
-      <pc:sldChg chg="delCm">
-        <pc:chgData name="Radha Selvaraj" userId="6a745854-71e1-4c33-b789-ef8df19767bb" providerId="ADAL" clId="{7FEF74C0-764A-487B-871C-6F407CE06956}" dt="2020-09-08T20:36:07.477" v="11" actId="1592"/>
-        <pc:sldMkLst>
-          <pc:docMk/>
-          <pc:sldMk cId="2094578463" sldId="4353"/>
-        </pc:sldMkLst>
-      </pc:sldChg>
-      <pc:sldChg chg="delCm">
-        <pc:chgData name="Radha Selvaraj" userId="6a745854-71e1-4c33-b789-ef8df19767bb" providerId="ADAL" clId="{7FEF74C0-764A-487B-871C-6F407CE06956}" dt="2020-09-08T20:35:56.881" v="10" actId="1592"/>
-        <pc:sldMkLst>
-          <pc:docMk/>
-          <pc:sldMk cId="552331868" sldId="4354"/>
-        </pc:sldMkLst>
-      </pc:sldChg>
-    </pc:docChg>
-  </pc:docChgLst>
-  <pc:docChgLst>
-    <pc:chgData name="Michele Dehmer (Steyer Associates Inc)" userId="S::v-mideh@microsoft.com::7702e631-62c5-4b08-8929-5748d2696215" providerId="AD" clId="Web-{22C95086-8E83-A9C2-2B8D-CDD21110CC0F}"/>
-    <pc:docChg chg="modSld">
-      <pc:chgData name="Michele Dehmer (Steyer Associates Inc)" userId="S::v-mideh@microsoft.com::7702e631-62c5-4b08-8929-5748d2696215" providerId="AD" clId="Web-{22C95086-8E83-A9C2-2B8D-CDD21110CC0F}" dt="2020-09-15T17:27:19.385" v="0" actId="20577"/>
-      <pc:docMkLst>
-        <pc:docMk/>
-      </pc:docMkLst>
-      <pc:sldChg chg="modSp">
-        <pc:chgData name="Michele Dehmer (Steyer Associates Inc)" userId="S::v-mideh@microsoft.com::7702e631-62c5-4b08-8929-5748d2696215" providerId="AD" clId="Web-{22C95086-8E83-A9C2-2B8D-CDD21110CC0F}" dt="2020-09-15T17:27:19.385" v="0" actId="20577"/>
-        <pc:sldMkLst>
-          <pc:docMk/>
-          <pc:sldMk cId="3353684380" sldId="527"/>
-        </pc:sldMkLst>
-        <pc:spChg chg="mod">
-          <ac:chgData name="Michele Dehmer (Steyer Associates Inc)" userId="S::v-mideh@microsoft.com::7702e631-62c5-4b08-8929-5748d2696215" providerId="AD" clId="Web-{22C95086-8E83-A9C2-2B8D-CDD21110CC0F}" dt="2020-09-15T17:27:19.385" v="0" actId="20577"/>
-          <ac:spMkLst>
-            <pc:docMk/>
-            <pc:sldMk cId="3353684380" sldId="527"/>
-            <ac:spMk id="11" creationId="{456CF351-42BA-4D8C-9BD1-88D0AD101DD6}"/>
           </ac:spMkLst>
         </pc:spChg>
       </pc:sldChg>
@@ -1159,8 +1275,8 @@
         <a:lstStyle/>
         <a:p>
           <a:r>
-            <a:rPr lang="en-GB" sz="1000"/>
-            <a:t>C[X]O</a:t>
+            <a:rPr lang="en-GB" sz="1000" dirty="0"/>
+            <a:t>CEO</a:t>
           </a:r>
         </a:p>
       </dgm:t>
@@ -1267,8 +1383,8 @@
         <a:lstStyle/>
         <a:p>
           <a:r>
-            <a:rPr lang="en-GB" sz="1000"/>
-            <a:t>Senior Manager</a:t>
+            <a:rPr lang="en-GB" sz="1000" dirty="0"/>
+            <a:t>Senior manager</a:t>
           </a:r>
         </a:p>
       </dgm:t>
@@ -1303,8 +1419,8 @@
         <a:lstStyle/>
         <a:p>
           <a:r>
-            <a:rPr lang="en-GB" sz="1000"/>
-            <a:t>Middle Manager</a:t>
+            <a:rPr lang="en-GB" sz="1000" dirty="0"/>
+            <a:t>Middle manager</a:t>
           </a:r>
         </a:p>
       </dgm:t>
@@ -2399,8 +2515,8 @@
             <a:buNone/>
           </a:pPr>
           <a:r>
-            <a:rPr lang="en-GB" sz="1000" kern="1200"/>
-            <a:t>C[X]O</a:t>
+            <a:rPr lang="en-GB" sz="1000" kern="1200" dirty="0"/>
+            <a:t>CEO</a:t>
           </a:r>
         </a:p>
       </dsp:txBody>
@@ -2726,8 +2842,8 @@
             <a:buNone/>
           </a:pPr>
           <a:r>
-            <a:rPr lang="en-GB" sz="1000" kern="1200"/>
-            <a:t>Senior Manager</a:t>
+            <a:rPr lang="en-GB" sz="1000" kern="1200" dirty="0"/>
+            <a:t>Senior manager</a:t>
           </a:r>
         </a:p>
       </dsp:txBody>
@@ -2835,8 +2951,8 @@
             <a:buNone/>
           </a:pPr>
           <a:r>
-            <a:rPr lang="en-GB" sz="1000" kern="1200"/>
-            <a:t>Middle Manager</a:t>
+            <a:rPr lang="en-GB" sz="1000" kern="1200" dirty="0"/>
+            <a:t>Middle manager</a:t>
           </a:r>
         </a:p>
       </dsp:txBody>
@@ -4950,7 +5066,7 @@
           <a:p>
             <a:fld id="{19BB7B19-FA1C-45B8-96B5-A37DAB2C4311}" type="datetimeFigureOut">
               <a:rPr lang="en-US" smtClean="0"/>
-              <a:t>9/15/2020</a:t>
+              <a:t>5/27/2021</a:t>
             </a:fld>
             <a:endParaRPr lang="en-US"/>
           </a:p>
@@ -5441,7 +5557,7 @@
                 <a:tabLst/>
                 <a:defRPr/>
               </a:pPr>
-              <a:t>9/15/2020 10:26 AM</a:t>
+              <a:t>5/27/2021 4:01 PM</a:t>
             </a:fld>
             <a:endParaRPr kumimoji="0" lang="en-US" sz="1200" b="0" i="0" u="none" strike="noStrike" kern="1200" cap="none" spc="0" normalizeH="0" baseline="0" noProof="0">
               <a:ln>
@@ -5780,7 +5896,7 @@
                 <a:tabLst/>
                 <a:defRPr/>
               </a:pPr>
-              <a:t>9/15/2020 10:26 AM</a:t>
+              <a:t>5/27/2021 4:01 PM</a:t>
             </a:fld>
             <a:endParaRPr kumimoji="0" lang="en-US" sz="1200" b="0" i="0" u="none" strike="noStrike" kern="1200" cap="none" spc="0" normalizeH="0" baseline="0" noProof="0">
               <a:ln>
@@ -8925,7 +9041,7 @@
           <a:p>
             <a:fld id="{1D8BD707-D9CF-40AE-B4C6-C98DA3205C09}" type="datetimeFigureOut">
               <a:rPr lang="en-US"/>
-              <a:t>9/15/2020</a:t>
+              <a:t>5/27/2021</a:t>
             </a:fld>
             <a:endParaRPr lang="en-US"/>
           </a:p>
@@ -21491,13 +21607,13 @@
               <a:defRPr/>
             </a:pPr>
             <a:r>
-              <a:rPr lang="en-US" sz="2400">
+              <a:rPr lang="en-US" sz="2400" dirty="0">
                 <a:latin typeface="Segoe UI" panose="020B0502040204020203" pitchFamily="34" charset="0"/>
                 <a:cs typeface="Segoe UI" panose="020B0502040204020203" pitchFamily="34" charset="0"/>
               </a:rPr>
-              <a:t>Change agents are influential leaders who help drive program awareness and engagement. They are great communicators, enthusiastic and forward thinking. </a:t>
-            </a:r>
-            <a:endParaRPr kumimoji="0" lang="en-US" sz="2400" i="0" u="none" strike="noStrike" kern="1200" cap="none" spc="0" normalizeH="0" baseline="0" noProof="0">
+              <a:t>Change agents are influential leaders who help drive program awareness and engagement. They are great communicators, enthusiastic and forward thinking</a:t>
+            </a:r>
+            <a:endParaRPr kumimoji="0" lang="en-US" sz="2400" i="0" u="none" strike="noStrike" kern="1200" cap="none" spc="0" normalizeH="0" baseline="0" noProof="0" dirty="0">
               <a:ln>
                 <a:noFill/>
               </a:ln>
@@ -21550,7 +21666,7 @@
               <a:defRPr/>
             </a:pPr>
             <a:r>
-              <a:rPr lang="en-US" sz="1600">
+              <a:rPr lang="en-US" sz="1600" dirty="0">
                 <a:latin typeface="Segoe UI" panose="020B0502040204020203" pitchFamily="34" charset="0"/>
                 <a:cs typeface="Segoe UI" panose="020B0502040204020203" pitchFamily="34" charset="0"/>
               </a:rPr>
@@ -21570,7 +21686,7 @@
               <a:defRPr/>
             </a:pPr>
             <a:r>
-              <a:rPr lang="en-US" sz="1600">
+              <a:rPr lang="en-US" sz="1600" dirty="0">
                 <a:latin typeface="Segoe UI" panose="020B0502040204020203" pitchFamily="34" charset="0"/>
                 <a:cs typeface="Segoe UI" panose="020B0502040204020203" pitchFamily="34" charset="0"/>
               </a:rPr>
@@ -21590,11 +21706,11 @@
               <a:defRPr/>
             </a:pPr>
             <a:r>
-              <a:rPr lang="en-US" sz="1600">
+              <a:rPr lang="en-US" sz="1600" dirty="0">
                 <a:latin typeface="Segoe UI" panose="020B0502040204020203" pitchFamily="34" charset="0"/>
                 <a:cs typeface="Segoe UI" panose="020B0502040204020203" pitchFamily="34" charset="0"/>
               </a:rPr>
-              <a:t>Champion WPA GM and act as internal product experts</a:t>
+              <a:t>Champion Workplace Analytics manager and act as internal product experts</a:t>
             </a:r>
           </a:p>
           <a:p>
@@ -21610,7 +21726,7 @@
               <a:defRPr/>
             </a:pPr>
             <a:r>
-              <a:rPr lang="en-US" sz="1600">
+              <a:rPr lang="en-US" sz="1600" dirty="0">
                 <a:latin typeface="Segoe UI" panose="020B0502040204020203" pitchFamily="34" charset="0"/>
                 <a:cs typeface="Segoe UI" panose="020B0502040204020203" pitchFamily="34" charset="0"/>
               </a:rPr>
@@ -21630,7 +21746,7 @@
               <a:defRPr/>
             </a:pPr>
             <a:r>
-              <a:rPr lang="en-US" sz="1600">
+              <a:rPr lang="en-US" sz="1600" dirty="0">
                 <a:latin typeface="Segoe UI" panose="020B0502040204020203" pitchFamily="34" charset="0"/>
                 <a:cs typeface="Segoe UI" panose="020B0502040204020203" pitchFamily="34" charset="0"/>
               </a:rPr>
@@ -21650,7 +21766,7 @@
               <a:defRPr/>
             </a:pPr>
             <a:r>
-              <a:rPr lang="en-US" sz="1600">
+              <a:rPr lang="en-US" sz="1600" dirty="0">
                 <a:latin typeface="Segoe UI" panose="020B0502040204020203" pitchFamily="34" charset="0"/>
                 <a:cs typeface="Segoe UI" panose="020B0502040204020203" pitchFamily="34" charset="0"/>
               </a:rPr>
@@ -21670,7 +21786,7 @@
               <a:defRPr/>
             </a:pPr>
             <a:r>
-              <a:rPr lang="en-US" sz="1600">
+              <a:rPr lang="en-US" sz="1600" dirty="0">
                 <a:latin typeface="Segoe UI" panose="020B0502040204020203" pitchFamily="34" charset="0"/>
                 <a:cs typeface="Segoe UI" panose="020B0502040204020203" pitchFamily="34" charset="0"/>
               </a:rPr>
@@ -21878,14 +21994,14 @@
               <a:defRPr/>
             </a:pPr>
             <a:r>
-              <a:rPr lang="en-US" sz="2400">
+              <a:rPr lang="en-US" sz="2400" dirty="0">
                 <a:solidFill>
                   <a:srgbClr val="0078D7"/>
                 </a:solidFill>
                 <a:latin typeface="Segoe UI Semibold" panose="020B0702040204020203" pitchFamily="34" charset="0"/>
                 <a:cs typeface="Segoe UI Semibold" panose="020B0702040204020203" pitchFamily="34" charset="0"/>
               </a:rPr>
-              <a:t>Program duration &amp; dates</a:t>
+              <a:t>Program duration and dates</a:t>
             </a:r>
           </a:p>
         </p:txBody>
@@ -22123,8 +22239,8 @@
           <a:lstStyle/>
           <a:p>
             <a:r>
-              <a:rPr lang="en-US"/>
-              <a:t>Program duration &amp; dates</a:t>
+              <a:rPr lang="en-US" dirty="0"/>
+              <a:t>Program duration and dates</a:t>
             </a:r>
           </a:p>
         </p:txBody>
@@ -22171,7 +22287,7 @@
                 <a:latin typeface="Segoe UI" panose="020B0502040204020203" pitchFamily="34" charset="0"/>
                 <a:cs typeface="Segoe UI" panose="020B0502040204020203" pitchFamily="34" charset="0"/>
               </a:rPr>
-              <a:t>While the WPA GM experience is intended to be an ongoing part of how leaders work, it is advisable to set up a programme structure to ensure adoption, learning and iteration. Depending on your team’s needs and where they are in the behavior-change journey, this initial phase may be shorter or longer.</a:t>
+              <a:t>While the manager experience in Workplace Analytics is intended to be an ongoing part of how leaders work, it is advisable to set up a program structure to ensure adoption, learning, and iteration. Depending on your team’s needs and where they are in the behavior-change journey, this initial phase may be shorter or longer.</a:t>
             </a:r>
             <a:endParaRPr kumimoji="0" lang="en-US" sz="2400" i="0" u="none" strike="noStrike" kern="1200" cap="none" spc="0" normalizeH="0" baseline="0" noProof="0" dirty="0">
               <a:ln>
@@ -22230,7 +22346,7 @@
                 <a:latin typeface="Segoe UI" panose="020B0502040204020203" pitchFamily="34" charset="0"/>
                 <a:cs typeface="Segoe UI" panose="020B0502040204020203" pitchFamily="34" charset="0"/>
               </a:rPr>
-              <a:t>Plan launch to avoid periods with high levels of distractions (e.g. planning cycle, or holiday season)</a:t>
+              <a:t>Plan launch to avoid periods with high levels of distractions (such as planning cycle or holiday season)</a:t>
             </a:r>
           </a:p>
           <a:p>
@@ -22290,7 +22406,7 @@
                 <a:latin typeface="Segoe UI" panose="020B0502040204020203" pitchFamily="34" charset="0"/>
                 <a:cs typeface="Segoe UI" panose="020B0502040204020203" pitchFamily="34" charset="0"/>
               </a:rPr>
-              <a:t>Lay out a programme of work with major milestones including:</a:t>
+              <a:t>Lay out a program of work with major milestones including:</a:t>
             </a:r>
           </a:p>
           <a:p>
@@ -22370,7 +22486,7 @@
                 <a:latin typeface="Segoe UI" panose="020B0502040204020203" pitchFamily="34" charset="0"/>
                 <a:cs typeface="Segoe UI" panose="020B0502040204020203" pitchFamily="34" charset="0"/>
               </a:rPr>
-              <a:t>Milestones for value check-ins where you evaluate progress against stated objectives and report back to the stakeholders / broader business</a:t>
+              <a:t>Milestones for value check-ins where you evaluate progress against stated objectives and report back to the stakeholders or broader business</a:t>
             </a:r>
           </a:p>
         </p:txBody>
@@ -23113,7 +23229,7 @@
                 <a:latin typeface="Segoe UI" panose="020B0502040204020203" pitchFamily="34" charset="0"/>
                 <a:cs typeface="Segoe UI" panose="020B0502040204020203" pitchFamily="34" charset="0"/>
               </a:rPr>
-              <a:t>Be clear how employees can provide feedback about the programme</a:t>
+              <a:t>Be clear how employees can provide feedback about the program</a:t>
             </a:r>
           </a:p>
           <a:p>
@@ -23294,10 +23410,10 @@
               </a:spcAft>
             </a:pPr>
             <a:r>
-              <a:rPr lang="en-US" sz="2000">
+              <a:rPr lang="en-US" sz="2000" dirty="0">
                 <a:latin typeface="+mj-lt"/>
               </a:rPr>
-              <a:t>Program Launch Email</a:t>
+              <a:t>Program launch email</a:t>
             </a:r>
           </a:p>
         </p:txBody>
@@ -23592,7 +23708,7 @@
         <p:spPr>
           <a:xfrm>
             <a:off x="233415" y="1179838"/>
-            <a:ext cx="11895659" cy="3764025"/>
+            <a:ext cx="11895659" cy="3985624"/>
           </a:xfrm>
           <a:prstGeom prst="rect">
             <a:avLst/>
@@ -23615,7 +23731,7 @@
               <a:defRPr/>
             </a:pPr>
             <a:r>
-              <a:rPr lang="en-US" sz="2000">
+              <a:rPr lang="en-US" sz="2000" dirty="0">
                 <a:solidFill>
                   <a:srgbClr val="0078D7"/>
                 </a:solidFill>
@@ -23638,7 +23754,7 @@
               <a:defRPr/>
             </a:pPr>
             <a:r>
-              <a:rPr lang="en-US" sz="1600">
+              <a:rPr lang="en-US" sz="1600" dirty="0">
                 <a:latin typeface="Segoe UI" panose="020B0502040204020203" pitchFamily="34" charset="0"/>
                 <a:cs typeface="Segoe UI" panose="020B0502040204020203" pitchFamily="34" charset="0"/>
               </a:rPr>
@@ -23656,7 +23772,7 @@
               <a:defRPr/>
             </a:pPr>
             <a:r>
-              <a:rPr lang="en-US" sz="2000">
+              <a:rPr lang="en-US" sz="2000" dirty="0">
                 <a:solidFill>
                   <a:srgbClr val="0078D7"/>
                 </a:solidFill>
@@ -23679,26 +23795,26 @@
               <a:defRPr/>
             </a:pPr>
             <a:r>
-              <a:rPr lang="en-US" sz="1600">
+              <a:rPr lang="en-US" sz="1600" dirty="0">
                 <a:latin typeface="Segoe UI" panose="020B0502040204020203" pitchFamily="34" charset="0"/>
                 <a:cs typeface="Segoe UI" panose="020B0502040204020203" pitchFamily="34" charset="0"/>
               </a:rPr>
-              <a:t>In addition to the quantitative data that WPA provides, you can use surveys to collect qualitative data before, during, and after your program. Learn more about survey recommendations </a:t>
-            </a:r>
-            <a:r>
-              <a:rPr lang="en-US" sz="1600">
+              <a:t>In addition to the quantitative data that Workplace Analytics provides, you can use surveys to collect qualitative data before, during, and after your program. See </a:t>
+            </a:r>
+            <a:r>
+              <a:rPr lang="en-US" sz="1600" dirty="0">
                 <a:latin typeface="Segoe UI" panose="020B0502040204020203" pitchFamily="34" charset="0"/>
                 <a:cs typeface="Segoe UI" panose="020B0502040204020203" pitchFamily="34" charset="0"/>
                 <a:hlinkClick r:id="rId2"/>
               </a:rPr>
-              <a:t>here</a:t>
-            </a:r>
-            <a:r>
-              <a:rPr lang="en-US" sz="1600">
+              <a:t>Create surveys </a:t>
+            </a:r>
+            <a:r>
+              <a:rPr lang="en-US" sz="1600" dirty="0">
                 <a:latin typeface="Segoe UI" panose="020B0502040204020203" pitchFamily="34" charset="0"/>
                 <a:cs typeface="Segoe UI" panose="020B0502040204020203" pitchFamily="34" charset="0"/>
               </a:rPr>
-              <a:t>.</a:t>
+              <a:t>to learn more about survey recommendations.</a:t>
             </a:r>
           </a:p>
           <a:p>
@@ -23712,7 +23828,7 @@
               <a:defRPr/>
             </a:pPr>
             <a:r>
-              <a:rPr lang="en-US" sz="2000">
+              <a:rPr lang="en-US" sz="2000" dirty="0">
                 <a:solidFill>
                   <a:srgbClr val="0078D7"/>
                 </a:solidFill>
@@ -23732,26 +23848,26 @@
               <a:defRPr/>
             </a:pPr>
             <a:r>
-              <a:rPr lang="en-US" sz="1600">
+              <a:rPr lang="en-US" sz="1600" dirty="0">
                 <a:latin typeface="Segoe UI" panose="020B0502040204020203" pitchFamily="34" charset="0"/>
                 <a:cs typeface="Segoe UI" panose="020B0502040204020203" pitchFamily="34" charset="0"/>
               </a:rPr>
-              <a:t>Check-in meetings let you and program participants discuss program learnings and the experience in general. Learn check-in meeting best practices </a:t>
-            </a:r>
-            <a:r>
-              <a:rPr lang="en-US" sz="1600">
+              <a:t>Check-in meetings let you and program participants discuss program learnings and the experience in general. See to </a:t>
+            </a:r>
+            <a:r>
+              <a:rPr lang="en-US" sz="1600" dirty="0">
                 <a:latin typeface="Segoe UI" panose="020B0502040204020203" pitchFamily="34" charset="0"/>
                 <a:cs typeface="Segoe UI" panose="020B0502040204020203" pitchFamily="34" charset="0"/>
                 <a:hlinkClick r:id="rId3"/>
               </a:rPr>
-              <a:t>here</a:t>
-            </a:r>
-            <a:r>
-              <a:rPr lang="en-US" sz="1600">
+              <a:t>Check-ins</a:t>
+            </a:r>
+            <a:r>
+              <a:rPr lang="en-US" sz="1600" dirty="0">
                 <a:latin typeface="Segoe UI" panose="020B0502040204020203" pitchFamily="34" charset="0"/>
                 <a:cs typeface="Segoe UI" panose="020B0502040204020203" pitchFamily="34" charset="0"/>
               </a:rPr>
-              <a:t>.</a:t>
+              <a:t> to learn about check-in meeting best practices.</a:t>
             </a:r>
           </a:p>
           <a:p>
@@ -23765,7 +23881,7 @@
               <a:defRPr/>
             </a:pPr>
             <a:r>
-              <a:rPr lang="en-US" sz="2000">
+              <a:rPr lang="en-US" sz="2000" dirty="0">
                 <a:solidFill>
                   <a:srgbClr val="0078D7"/>
                 </a:solidFill>
@@ -23788,28 +23904,28 @@
               <a:defRPr/>
             </a:pPr>
             <a:r>
-              <a:rPr lang="en-US" sz="1600">
+              <a:rPr lang="en-US" sz="1600" dirty="0">
                 <a:latin typeface="Segoe UI" panose="020B0502040204020203" pitchFamily="34" charset="0"/>
                 <a:cs typeface="Segoe UI" panose="020B0502040204020203" pitchFamily="34" charset="0"/>
               </a:rPr>
-              <a:t>Adding a social component to your program will help spread new habits. Try to set up a collaboration channel, such as a Microsoft Teams channel, to support your program. Get more best practices related to collaboration channels </a:t>
-            </a:r>
-            <a:r>
-              <a:rPr lang="en-US" sz="1600">
+              <a:t>Adding a social component to your program will help spread new habits. Try to set up a collaboration channel, such as a Microsoft Teams channel, to support your program. See </a:t>
+            </a:r>
+            <a:r>
+              <a:rPr lang="en-US" sz="1600" dirty="0">
                 <a:latin typeface="Segoe UI" panose="020B0502040204020203" pitchFamily="34" charset="0"/>
                 <a:cs typeface="Segoe UI" panose="020B0502040204020203" pitchFamily="34" charset="0"/>
                 <a:hlinkClick r:id="rId4"/>
               </a:rPr>
-              <a:t>here</a:t>
-            </a:r>
-            <a:r>
-              <a:rPr lang="en-US" sz="1600">
+              <a:t>Establish a collaboration channel </a:t>
+            </a:r>
+            <a:r>
+              <a:rPr lang="en-US" sz="1600" dirty="0">
                 <a:latin typeface="Segoe UI" panose="020B0502040204020203" pitchFamily="34" charset="0"/>
                 <a:cs typeface="Segoe UI" panose="020B0502040204020203" pitchFamily="34" charset="0"/>
               </a:rPr>
-              <a:t>.</a:t>
-            </a:r>
-            <a:endParaRPr kumimoji="0" lang="en-US" sz="1600" i="0" u="none" strike="noStrike" kern="1200" cap="none" spc="0" normalizeH="0" baseline="0" noProof="0">
+              <a:t>to get more best practices relating to collaboration channels.</a:t>
+            </a:r>
+            <a:endParaRPr kumimoji="0" lang="en-US" sz="1600" i="0" u="none" strike="noStrike" kern="1200" cap="none" spc="0" normalizeH="0" baseline="0" noProof="0" dirty="0">
               <a:ln>
                 <a:noFill/>
               </a:ln>
@@ -25783,7 +25899,7 @@
                 </a:solidFill>
                 <a:latin typeface="Segoe UI" panose="020B0502040204020203" pitchFamily="34" charset="0"/>
               </a:rPr>
-              <a:t>iative, before getting to work it’s essential to define the objectives you’re trying to achieve. This will ensure that the programme you conduct is focused, value accretive to the business and relevant to your leaders and employees. </a:t>
+              <a:t>iative, before getting to work, it’s essential to define the objectives you want to achieve. This ensures a program that is focused, adds value, and is relevant to your leaders and employees. </a:t>
             </a:r>
           </a:p>
           <a:p>
@@ -25820,7 +25936,7 @@
                 </a:solidFill>
                 <a:latin typeface="Segoe UI" panose="020B0502040204020203" pitchFamily="34" charset="0"/>
               </a:rPr>
-              <a:t>Gather a group of stakeholders that will define and own the overall objectives for this programme. Ideally, choose from a selection of relevant roles, including:</a:t>
+              <a:t>Gather a group of stakeholders that will define and own the overall objectives for this program. Ideally, choose from a selection of relevant roles, such as the following:</a:t>
             </a:r>
           </a:p>
           <a:p>
@@ -25828,6 +25944,15 @@
               <a:buFont typeface="Arial" panose="020B0604020202020204" pitchFamily="34" charset="0"/>
               <a:buChar char="•"/>
             </a:pPr>
+            <a:r>
+              <a:rPr lang="en-US" sz="1600" b="1" dirty="0">
+                <a:solidFill>
+                  <a:srgbClr val="171717"/>
+                </a:solidFill>
+                <a:latin typeface="Segoe UI" panose="020B0502040204020203" pitchFamily="34" charset="0"/>
+              </a:rPr>
+              <a:t>HR leader </a:t>
+            </a:r>
             <a:r>
               <a:rPr lang="en-US" sz="1600" dirty="0">
                 <a:solidFill>
@@ -25835,7 +25960,7 @@
                 </a:solidFill>
                 <a:latin typeface="Segoe UI" panose="020B0502040204020203" pitchFamily="34" charset="0"/>
               </a:rPr>
-              <a:t>HR leader - owns the employee experience and leadership development in your organization</a:t>
+              <a:t>- Owns the employee experience and leadership development in your organization</a:t>
             </a:r>
           </a:p>
           <a:p>
@@ -25843,6 +25968,25 @@
               <a:buFont typeface="Arial" panose="020B0604020202020204" pitchFamily="34" charset="0"/>
               <a:buChar char="•"/>
             </a:pPr>
+            <a:r>
+              <a:rPr lang="en-US" sz="1600" b="1" i="0" u="none" strike="noStrike" dirty="0">
+                <a:solidFill>
+                  <a:srgbClr val="171717"/>
+                </a:solidFill>
+                <a:effectLst/>
+                <a:latin typeface="Segoe UI" panose="020B0502040204020203" pitchFamily="34" charset="0"/>
+              </a:rPr>
+              <a:t>IT leader </a:t>
+            </a:r>
+            <a:r>
+              <a:rPr lang="en-US" sz="1600" dirty="0">
+                <a:solidFill>
+                  <a:srgbClr val="171717"/>
+                </a:solidFill>
+                <a:latin typeface="Segoe UI" panose="020B0502040204020203" pitchFamily="34" charset="0"/>
+              </a:rPr>
+              <a:t>- </a:t>
+            </a:r>
             <a:r>
               <a:rPr lang="en-US" sz="1600" i="0" u="none" strike="noStrike" dirty="0">
                 <a:solidFill>
@@ -25851,7 +25995,7 @@
                 <a:effectLst/>
                 <a:latin typeface="Segoe UI" panose="020B0502040204020203" pitchFamily="34" charset="0"/>
               </a:rPr>
-              <a:t>IT leader – owns the tools and systems that support implementation</a:t>
+              <a:t>Owns the tools and systems that support implementation</a:t>
             </a:r>
           </a:p>
           <a:p>
@@ -25859,6 +26003,15 @@
               <a:buFont typeface="Arial" panose="020B0604020202020204" pitchFamily="34" charset="0"/>
               <a:buChar char="•"/>
             </a:pPr>
+            <a:r>
+              <a:rPr lang="en-US" sz="1600" b="1" dirty="0">
+                <a:solidFill>
+                  <a:srgbClr val="171717"/>
+                </a:solidFill>
+                <a:latin typeface="Segoe UI" panose="020B0502040204020203" pitchFamily="34" charset="0"/>
+              </a:rPr>
+              <a:t>Business leader </a:t>
+            </a:r>
             <a:r>
               <a:rPr lang="en-US" sz="1600" dirty="0">
                 <a:solidFill>
@@ -25866,7 +26019,7 @@
                 </a:solidFill>
                 <a:latin typeface="Segoe UI" panose="020B0502040204020203" pitchFamily="34" charset="0"/>
               </a:rPr>
-              <a:t>Business leader – owns business outcomes and can tie value from this work to broader strategic intent</a:t>
+              <a:t>- Owns business outcomes and can tie value from this work to broader strategic intent</a:t>
             </a:r>
           </a:p>
           <a:p>
@@ -25874,6 +26027,25 @@
               <a:buFont typeface="Arial" panose="020B0604020202020204" pitchFamily="34" charset="0"/>
               <a:buChar char="•"/>
             </a:pPr>
+            <a:r>
+              <a:rPr lang="en-US" sz="1600" b="1" i="0" u="none" strike="noStrike" dirty="0">
+                <a:solidFill>
+                  <a:srgbClr val="171717"/>
+                </a:solidFill>
+                <a:effectLst/>
+                <a:latin typeface="Segoe UI" panose="020B0502040204020203" pitchFamily="34" charset="0"/>
+              </a:rPr>
+              <a:t>People leaders </a:t>
+            </a:r>
+            <a:r>
+              <a:rPr lang="en-US" sz="1600" dirty="0">
+                <a:solidFill>
+                  <a:srgbClr val="171717"/>
+                </a:solidFill>
+                <a:latin typeface="Segoe UI" panose="020B0502040204020203" pitchFamily="34" charset="0"/>
+              </a:rPr>
+              <a:t>-</a:t>
+            </a:r>
             <a:r>
               <a:rPr lang="en-US" sz="1600" i="0" u="none" strike="noStrike" dirty="0">
                 <a:solidFill>
@@ -25882,17 +26054,14 @@
                 <a:effectLst/>
                 <a:latin typeface="Segoe UI" panose="020B0502040204020203" pitchFamily="34" charset="0"/>
               </a:rPr>
-              <a:t>People leader(s) – represent the </a:t>
-            </a:r>
-            <a:r>
-              <a:rPr lang="en-US" sz="1600" dirty="0">
-                <a:solidFill>
-                  <a:srgbClr val="171717"/>
-                </a:solidFill>
-                <a:latin typeface="Segoe UI" panose="020B0502040204020203" pitchFamily="34" charset="0"/>
-              </a:rPr>
-              <a:t>population that will be acted on by the GM experience</a:t>
-            </a:r>
+              <a:t> Represent the people managers in your organization</a:t>
+            </a:r>
+            <a:endParaRPr lang="en-US" sz="1600" dirty="0">
+              <a:solidFill>
+                <a:srgbClr val="171717"/>
+              </a:solidFill>
+              <a:latin typeface="Segoe UI" panose="020B0502040204020203" pitchFamily="34" charset="0"/>
+            </a:endParaRPr>
           </a:p>
           <a:p>
             <a:pPr marL="285750" indent="-285750">
@@ -25916,7 +26085,7 @@
                 <a:effectLst/>
                 <a:latin typeface="Segoe UI" panose="020B0502040204020203" pitchFamily="34" charset="0"/>
               </a:rPr>
-              <a:t>Brainstorm and agree objectives</a:t>
+              <a:t>Brainstorm and agree on objectives</a:t>
             </a:r>
           </a:p>
           <a:p>
@@ -25927,7 +26096,7 @@
                 </a:solidFill>
                 <a:latin typeface="Segoe UI" panose="020B0502040204020203" pitchFamily="34" charset="0"/>
               </a:rPr>
-              <a:t>Spend some time exploring possible objectives for the programme. A structured brainstorming session could be a good way to go about this. Make sure you document those objective(s) you agree on, but also those that are explicitly out of scope. It may be a good idea to create a programme charter at this stage.</a:t>
+              <a:t>Spend some time exploring possible objectives for the program. A structured brainstorming session is a good way to get a working list. Make sure you document the objectives you agree on, but also those that are explicitly out of scope. It might be a good idea to create a program charter at this stage.</a:t>
             </a:r>
             <a:endParaRPr lang="en-US" sz="1600" i="0" u="none" strike="noStrike" dirty="0">
               <a:solidFill>
@@ -26079,7 +26248,7 @@
                   <a:effectLst/>
                   <a:latin typeface="Segoe UI" panose="020B0502040204020203" pitchFamily="34" charset="0"/>
                 </a:rPr>
-                <a:t>Tying objectives to existing business initiatives and priorities is a great way to ensure the programme remains relevant in time and isn’t seen as “just another initiative” that has limited value or longevity:</a:t>
+                <a:t>Tying objectives to existing business initiatives and priorities is a great way to ensure the program remains relevant and isn’t seen as “just another initiative” that has limited value or longevity:</a:t>
               </a:r>
             </a:p>
             <a:p>
@@ -26094,7 +26263,7 @@
                   </a:solidFill>
                   <a:latin typeface="Segoe UI" panose="020B0502040204020203" pitchFamily="34" charset="0"/>
                 </a:rPr>
-                <a:t>Write down all existing strategic priorities, challenges and initiatives that are applicable to your organization’s leaders for the current planning horizon</a:t>
+                <a:t>Write down all existing strategic priorities, challenges, and initiatives that are applicable to your organization’s leaders for the current planning horizon.</a:t>
               </a:r>
             </a:p>
             <a:p>
@@ -26109,7 +26278,7 @@
                   </a:solidFill>
                   <a:latin typeface="Segoe UI" panose="020B0502040204020203" pitchFamily="34" charset="0"/>
                 </a:rPr>
-                <a:t>Does the GM programme support attainment of any of those? </a:t>
+                <a:t>Does the program support attainment of any of those? </a:t>
               </a:r>
               <a:r>
                 <a:rPr lang="en-US" sz="1200" b="0" i="0" u="none" strike="noStrike" dirty="0">
@@ -26119,7 +26288,7 @@
                   <a:effectLst/>
                   <a:latin typeface="Segoe UI" panose="020B0502040204020203" pitchFamily="34" charset="0"/>
                 </a:rPr>
-                <a:t> Which specific elements resonate most strongly? What are the possible conflicts?</a:t>
+                <a:t>Which specific elements resonate most strongly? What are the possible conflicts?</a:t>
               </a:r>
             </a:p>
             <a:p>
@@ -26377,7 +26546,7 @@
                 </a:solidFill>
                 <a:latin typeface="Segoe UI" panose="020B0502040204020203" pitchFamily="34" charset="0"/>
               </a:rPr>
-              <a:t>How will we know that the programme is delivering against its objectives? Are there intermediate milestones we can track? Which outcome metrics can we use to track progress?</a:t>
+              <a:t>How will we know if the program is accomplishing its objectives? Are there intermediate milestones we can track? Which outcome metrics can we use to track progress?</a:t>
             </a:r>
           </a:p>
           <a:p>
@@ -26417,7 +26586,7 @@
                 <a:effectLst/>
                 <a:latin typeface="Segoe UI" panose="020B0502040204020203" pitchFamily="34" charset="0"/>
               </a:rPr>
-              <a:t>More specific objectives will tend to have quantitative success measures, while more loosely defined ones will need to rely on subjective judgement</a:t>
+              <a:t>More specific objectives will have quantitative success measures, while more loosely defined ones will need to rely on subjective judgement</a:t>
             </a:r>
           </a:p>
         </p:txBody>
@@ -26562,67 +26731,7 @@
                   <a:effectLst/>
                   <a:latin typeface="Segoe UI" panose="020B0502040204020203" pitchFamily="34" charset="0"/>
                 </a:rPr>
-                <a:t>Your </a:t>
-              </a:r>
-              <a:r>
-                <a:rPr lang="en-US" sz="1200" b="0" i="0" u="none" strike="noStrike" dirty="0" err="1">
-                  <a:solidFill>
-                    <a:srgbClr val="171717"/>
-                  </a:solidFill>
-                  <a:effectLst/>
-                  <a:latin typeface="Segoe UI" panose="020B0502040204020203" pitchFamily="34" charset="0"/>
-                </a:rPr>
-                <a:t>oganisation</a:t>
-              </a:r>
-              <a:r>
-                <a:rPr lang="en-US" sz="1200" b="0" i="0" u="none" strike="noStrike" dirty="0">
-                  <a:solidFill>
-                    <a:srgbClr val="171717"/>
-                  </a:solidFill>
-                  <a:effectLst/>
-                  <a:latin typeface="Segoe UI" panose="020B0502040204020203" pitchFamily="34" charset="0"/>
-                </a:rPr>
-                <a:t> may already have a defined process to set goals and objectives for </a:t>
-              </a:r>
-              <a:r>
-                <a:rPr lang="en-US" sz="1200" b="0" i="0" u="none" strike="noStrike" dirty="0" err="1">
-                  <a:solidFill>
-                    <a:srgbClr val="171717"/>
-                  </a:solidFill>
-                  <a:effectLst/>
-                  <a:latin typeface="Segoe UI" panose="020B0502040204020203" pitchFamily="34" charset="0"/>
-                </a:rPr>
-                <a:t>programmes</a:t>
-              </a:r>
-              <a:r>
-                <a:rPr lang="en-US" sz="1200" b="0" i="0" u="none" strike="noStrike" dirty="0">
-                  <a:solidFill>
-                    <a:srgbClr val="171717"/>
-                  </a:solidFill>
-                  <a:effectLst/>
-                  <a:latin typeface="Segoe UI" panose="020B0502040204020203" pitchFamily="34" charset="0"/>
-                </a:rPr>
-                <a:t>. In this case, use the framework already in place to ensure that the existing governance processes can be applied </a:t>
-              </a:r>
-              <a:r>
-                <a:rPr lang="en-US" sz="1200" b="0" i="0" u="none" strike="noStrike" dirty="0" err="1">
-                  <a:solidFill>
-                    <a:srgbClr val="171717"/>
-                  </a:solidFill>
-                  <a:effectLst/>
-                  <a:latin typeface="Segoe UI" panose="020B0502040204020203" pitchFamily="34" charset="0"/>
-                </a:rPr>
-                <a:t>seemleslly</a:t>
-              </a:r>
-              <a:r>
-                <a:rPr lang="en-US" sz="1200" b="0" i="0" u="none" strike="noStrike" dirty="0">
-                  <a:solidFill>
-                    <a:srgbClr val="171717"/>
-                  </a:solidFill>
-                  <a:effectLst/>
-                  <a:latin typeface="Segoe UI" panose="020B0502040204020203" pitchFamily="34" charset="0"/>
-                </a:rPr>
-                <a:t>. </a:t>
+                <a:t>Your organization might already have a defined process to set goals and objectives for programs. In this case, use the framework already in place to ensure that the existing governance processes can be applied seamlessly. </a:t>
               </a:r>
             </a:p>
             <a:p>
@@ -26633,7 +26742,7 @@
                   </a:solidFill>
                   <a:latin typeface="Segoe UI" panose="020B0502040204020203" pitchFamily="34" charset="0"/>
                 </a:rPr>
-                <a:t>If not available or applicable, any standard framework for objective setting will be a helpful tool in testing objectives, e.g. SMART objective test (</a:t>
+                <a:t>If not available or applicable, any standard framework for objective setting will be a helpful tool in testing objectives, such as a SMART objective test (</a:t>
               </a:r>
               <a:r>
                 <a:rPr lang="en-US" sz="1200" b="1" dirty="0">
@@ -26723,7 +26832,7 @@
                   </a:solidFill>
                   <a:latin typeface="Segoe UI" panose="020B0502040204020203" pitchFamily="34" charset="0"/>
                 </a:rPr>
-                <a:t>imely)</a:t>
+                <a:t>imely).</a:t>
               </a:r>
               <a:endParaRPr lang="en-US" sz="1200" i="0" u="none" strike="noStrike" dirty="0">
                 <a:solidFill>
@@ -27135,10 +27244,10 @@
               </a:spcBef>
             </a:pPr>
             <a:r>
-              <a:rPr lang="en-US" sz="3200" spc="-75"/>
-              <a:t>Select your target GM population</a:t>
-            </a:r>
-            <a:endParaRPr sz="3200"/>
+              <a:rPr lang="en-US" sz="3200" spc="-75" dirty="0"/>
+              <a:t>Select your target manager population</a:t>
+            </a:r>
+            <a:endParaRPr sz="3200" dirty="0"/>
           </a:p>
         </p:txBody>
       </p:sp>
@@ -27156,8 +27265,8 @@
         </p:nvSpPr>
         <p:spPr>
           <a:xfrm>
-            <a:off x="277764" y="1434837"/>
-            <a:ext cx="4866726" cy="4173450"/>
+            <a:off x="322927" y="1283407"/>
+            <a:ext cx="4866726" cy="3958007"/>
           </a:xfrm>
           <a:prstGeom prst="rect">
             <a:avLst/>
@@ -27178,7 +27287,7 @@
                 <a:latin typeface="Segoe UI"/>
                 <a:cs typeface="Segoe UI"/>
               </a:rPr>
-              <a:t>You now need to exercise a choice on who your target GM population will be. This will define your participant group. The optimal choice will depend on the objectives of the programme and your organization's structure and culture. </a:t>
+              <a:t>You now need to exercise a choice on who your target manager population will be. This will define your participant group. The optimal choice will depend on the objectives of the program and your organization's structure and culture. </a:t>
             </a:r>
             <a:endParaRPr lang="en-US" dirty="0"/>
           </a:p>
@@ -27199,7 +27308,7 @@
                 <a:latin typeface="Segoe UI"/>
                 <a:cs typeface="Segoe UI"/>
               </a:rPr>
-              <a:t>Remember that WPA GM:</a:t>
+              <a:t>Workplace Analytics data requires the following:</a:t>
             </a:r>
           </a:p>
           <a:p>
@@ -27215,25 +27324,8 @@
                 <a:latin typeface="Segoe UI"/>
                 <a:cs typeface="Segoe UI"/>
               </a:rPr>
-              <a:t>Obtains the organizational hierarchy as supplied via the Org Data upload – you should confirm this is in line with business </a:t>
-            </a:r>
-            <a:r>
-              <a:rPr lang="en-US" sz="1400" dirty="0" err="1">
-                <a:solidFill>
-                  <a:srgbClr val="171717"/>
-                </a:solidFill>
-                <a:latin typeface="Segoe UI"/>
-                <a:cs typeface="Segoe UI"/>
-              </a:rPr>
-              <a:t>expecations</a:t>
-            </a:r>
-            <a:endParaRPr lang="en-US" sz="1400" dirty="0">
-              <a:solidFill>
-                <a:srgbClr val="171717"/>
-              </a:solidFill>
-              <a:latin typeface="Segoe UI"/>
-              <a:cs typeface="Segoe UI"/>
-            </a:endParaRPr>
+              <a:t>Latest organizational hierarchy through the Organization data upload –confirm it is inline with business expectations</a:t>
+            </a:r>
           </a:p>
           <a:p>
             <a:pPr marL="285750" indent="-285750">
@@ -27248,7 +27340,7 @@
                 <a:latin typeface="Segoe UI"/>
                 <a:cs typeface="Segoe UI"/>
               </a:rPr>
-              <a:t>A GM must have 10 or more employees in their organization</a:t>
+              <a:t>A manager must have 10 or more employees in their organization</a:t>
             </a:r>
             <a:endParaRPr lang="en-US" dirty="0"/>
           </a:p>
@@ -27265,18 +27357,24 @@
                 <a:latin typeface="Segoe UI"/>
                 <a:cs typeface="Segoe UI"/>
               </a:rPr>
-              <a:t>A GM’s organization includes everyone below them in the hierarchy (immediate reports plus their reports and so on)</a:t>
-            </a:r>
-          </a:p>
-          <a:p>
-            <a:endParaRPr lang="en-US" sz="1400" dirty="0">
-              <a:solidFill>
-                <a:srgbClr val="171717"/>
-              </a:solidFill>
-              <a:latin typeface="Segoe UI" panose="020B0502040204020203" pitchFamily="34" charset="0"/>
-            </a:endParaRPr>
-          </a:p>
-          <a:p>
+              <a:t>A manager’s team includes everyone below them in the hierarchy (immediate reports plus their reports and so on) </a:t>
+            </a:r>
+          </a:p>
+          <a:p>
+            <a:pPr marL="285750" indent="-285750">
+              <a:buFont typeface="Arial" panose="020B0604020202020204" pitchFamily="34" charset="0"/>
+              <a:buChar char="•"/>
+            </a:pPr>
+            <a:r>
+              <a:rPr lang="en-US" sz="1400" dirty="0">
+                <a:solidFill>
+                  <a:srgbClr val="171717"/>
+                </a:solidFill>
+                <a:latin typeface="Segoe UI"/>
+                <a:cs typeface="Segoe UI"/>
+              </a:rPr>
+              <a:t>F</a:t>
+            </a:r>
             <a:r>
               <a:rPr lang="en-US" sz="1400" b="0" i="0" u="none" strike="noStrike" dirty="0">
                 <a:solidFill>
@@ -27286,7 +27384,7 @@
                 <a:latin typeface="Segoe UI"/>
                 <a:cs typeface="Segoe UI"/>
               </a:rPr>
-              <a:t>Consider at which level of the organizational hierarchy to define your GM for optimal results</a:t>
+              <a:t>or optimal results, consider at which level of the organizational hierarchy defines your managers</a:t>
             </a:r>
           </a:p>
         </p:txBody>
@@ -27306,9 +27404,9 @@
         <p:grpSpPr>
           <a:xfrm>
             <a:off x="498266" y="5423621"/>
-            <a:ext cx="11145459" cy="1309220"/>
+            <a:ext cx="11464236" cy="1493886"/>
             <a:chOff x="498266" y="5423621"/>
-            <a:chExt cx="11145459" cy="1309220"/>
+            <a:chExt cx="11145459" cy="1493886"/>
           </a:xfrm>
         </p:grpSpPr>
         <p:sp>
@@ -27410,7 +27508,7 @@
           <p:spPr>
             <a:xfrm>
               <a:off x="1401714" y="5514046"/>
-              <a:ext cx="10242011" cy="1218795"/>
+              <a:ext cx="10242011" cy="1403461"/>
             </a:xfrm>
             <a:prstGeom prst="rect">
               <a:avLst/>
@@ -27431,7 +27529,7 @@
                   <a:effectLst/>
                   <a:latin typeface="Segoe UI" panose="020B0502040204020203" pitchFamily="34" charset="0"/>
                 </a:rPr>
-                <a:t>How do you know if you’ve selected the right level in the hierarchy for your GM persona? There is no formula for this. Instead, try the following:</a:t>
+                <a:t>How do you know if you’ve selected the right level in the hierarchy for your manager persona? There is no formula for this. Instead, try the following:</a:t>
               </a:r>
             </a:p>
             <a:p>
@@ -27446,7 +27544,7 @@
                   </a:solidFill>
                   <a:latin typeface="Segoe UI" panose="020B0502040204020203" pitchFamily="34" charset="0"/>
                 </a:rPr>
-                <a:t>Imagine you are the GM in question – how will you react to this programme? How do the objectives relate to your day-to-day work and priorities?</a:t>
+                <a:t>Imagine you are the manager in question – how will you react to this program? How do the objectives relate to your day-to-day work and priorities?</a:t>
               </a:r>
             </a:p>
             <a:p>
@@ -27568,7 +27666,7 @@
           <p:nvPr>
             <p:extLst>
               <p:ext uri="{D42A27DB-BD31-4B8C-83A1-F6EECF244321}">
-                <p14:modId xmlns:p14="http://schemas.microsoft.com/office/powerpoint/2010/main" val="2996947258"/>
+                <p14:modId xmlns:p14="http://schemas.microsoft.com/office/powerpoint/2010/main" val="644281368"/>
               </p:ext>
             </p:extLst>
           </p:nvPr>
@@ -27643,7 +27741,7 @@
         <p:spPr>
           <a:xfrm>
             <a:off x="8096471" y="2043616"/>
-            <a:ext cx="1505750" cy="1218795"/>
+            <a:ext cx="1505750" cy="1403461"/>
           </a:xfrm>
           <a:prstGeom prst="rect">
             <a:avLst/>
@@ -27657,7 +27755,7 @@
           <a:lstStyle/>
           <a:p>
             <a:r>
-              <a:rPr lang="en-US" sz="1200" i="0" u="none" strike="noStrike">
+              <a:rPr lang="en-US" sz="1200" i="0" u="none" strike="noStrike" dirty="0">
                 <a:solidFill>
                   <a:srgbClr val="171717"/>
                 </a:solidFill>
@@ -27669,19 +27767,19 @@
           </a:p>
           <a:p>
             <a:r>
-              <a:rPr lang="en-US" sz="1200" i="0" u="none" strike="noStrike">
+              <a:rPr lang="en-US" sz="1200" i="0" u="none" strike="noStrike" dirty="0">
                 <a:solidFill>
                   <a:srgbClr val="171717"/>
                 </a:solidFill>
                 <a:effectLst/>
                 <a:latin typeface="Segoe UI" panose="020B0502040204020203" pitchFamily="34" charset="0"/>
               </a:rPr>
-              <a:t>Bigger org</a:t>
-            </a:r>
-          </a:p>
-          <a:p>
-            <a:r>
-              <a:rPr lang="en-US" sz="1200">
+              <a:t>Bigger team</a:t>
+            </a:r>
+          </a:p>
+          <a:p>
+            <a:r>
+              <a:rPr lang="en-US" sz="1200" dirty="0">
                 <a:solidFill>
                   <a:srgbClr val="171717"/>
                 </a:solidFill>
@@ -27692,7 +27790,7 @@
           </a:p>
           <a:p>
             <a:r>
-              <a:rPr lang="en-US" sz="1200">
+              <a:rPr lang="en-US" sz="1200" dirty="0">
                 <a:solidFill>
                   <a:srgbClr val="171717"/>
                 </a:solidFill>
@@ -27703,14 +27801,14 @@
           </a:p>
           <a:p>
             <a:r>
-              <a:rPr lang="en-US" sz="1200" i="0" u="none" strike="noStrike">
+              <a:rPr lang="en-US" sz="1200" i="0" u="none" strike="noStrike" dirty="0">
                 <a:solidFill>
                   <a:srgbClr val="171717"/>
                 </a:solidFill>
                 <a:effectLst/>
                 <a:latin typeface="Segoe UI" panose="020B0502040204020203" pitchFamily="34" charset="0"/>
               </a:rPr>
-              <a:t>Less time / focus</a:t>
+              <a:t>Less time or focus</a:t>
             </a:r>
           </a:p>
         </p:txBody>
@@ -27744,7 +27842,7 @@
           <a:lstStyle/>
           <a:p>
             <a:r>
-              <a:rPr lang="en-US" sz="1200" i="0" u="none" strike="noStrike">
+              <a:rPr lang="en-US" sz="1200" i="0" u="none" strike="noStrike" dirty="0">
                 <a:solidFill>
                   <a:srgbClr val="171717"/>
                 </a:solidFill>
@@ -27756,7 +27854,7 @@
           </a:p>
           <a:p>
             <a:r>
-              <a:rPr lang="en-US" sz="1200">
+              <a:rPr lang="en-US" sz="1200" dirty="0">
                 <a:solidFill>
                   <a:srgbClr val="171717"/>
                 </a:solidFill>
@@ -27765,19 +27863,35 @@
               <a:t>Smaller</a:t>
             </a:r>
             <a:r>
-              <a:rPr lang="en-US" sz="1200" i="0" u="none" strike="noStrike">
+              <a:rPr lang="en-US" sz="1200" i="0" u="none" strike="noStrike" dirty="0">
                 <a:solidFill>
                   <a:srgbClr val="171717"/>
                 </a:solidFill>
                 <a:effectLst/>
                 <a:latin typeface="Segoe UI" panose="020B0502040204020203" pitchFamily="34" charset="0"/>
               </a:rPr>
-              <a:t> org</a:t>
-            </a:r>
-          </a:p>
-          <a:p>
-            <a:r>
-              <a:rPr lang="en-US" sz="1200">
+              <a:t> </a:t>
+            </a:r>
+            <a:r>
+              <a:rPr lang="en-US" sz="1200" dirty="0">
+                <a:solidFill>
+                  <a:srgbClr val="171717"/>
+                </a:solidFill>
+                <a:latin typeface="Segoe UI" panose="020B0502040204020203" pitchFamily="34" charset="0"/>
+              </a:rPr>
+              <a:t>tea,</a:t>
+            </a:r>
+            <a:endParaRPr lang="en-US" sz="1200" i="0" u="none" strike="noStrike" dirty="0">
+              <a:solidFill>
+                <a:srgbClr val="171717"/>
+              </a:solidFill>
+              <a:effectLst/>
+              <a:latin typeface="Segoe UI" panose="020B0502040204020203" pitchFamily="34" charset="0"/>
+            </a:endParaRPr>
+          </a:p>
+          <a:p>
+            <a:r>
+              <a:rPr lang="en-US" sz="1200" dirty="0">
                 <a:solidFill>
                   <a:srgbClr val="171717"/>
                 </a:solidFill>
@@ -27788,7 +27902,7 @@
           </a:p>
           <a:p>
             <a:r>
-              <a:rPr lang="en-US" sz="1200">
+              <a:rPr lang="en-US" sz="1200" dirty="0">
                 <a:solidFill>
                   <a:srgbClr val="171717"/>
                 </a:solidFill>
@@ -27799,14 +27913,14 @@
           </a:p>
           <a:p>
             <a:r>
-              <a:rPr lang="en-US" sz="1200" i="0" u="none" strike="noStrike">
+              <a:rPr lang="en-US" sz="1200" i="0" u="none" strike="noStrike" dirty="0">
                 <a:solidFill>
                   <a:srgbClr val="171717"/>
                 </a:solidFill>
                 <a:effectLst/>
                 <a:latin typeface="Segoe UI" panose="020B0502040204020203" pitchFamily="34" charset="0"/>
               </a:rPr>
-              <a:t>More time / focus</a:t>
+              <a:t>More time or focus</a:t>
             </a:r>
           </a:p>
         </p:txBody>
@@ -27982,7 +28096,7 @@
                 </a:solidFill>
                 <a:latin typeface="Segoe UI" panose="020B0502040204020203" pitchFamily="34" charset="0"/>
               </a:rPr>
-              <a:t>Pilots can be an excellent way to test out a programme before going big. But it’s important to know what is going to be tested before the pilot starts. Most importantly, make sure your test criteria extend beyond a simple tool technical evaluation!</a:t>
+              <a:t>Pilots can be an excellent way to test out a program before going big. But it’s important to know what is going to be tested before the pilot starts. Most importantly, make sure your test criteria extend beyond a simple tool technical evaluation!</a:t>
             </a:r>
           </a:p>
           <a:p>
@@ -28110,7 +28224,7 @@
                 </a:solidFill>
                 <a:latin typeface="Segoe UI" panose="020B0502040204020203" pitchFamily="34" charset="0"/>
               </a:rPr>
-              <a:t>Do GMs understand how to use the tool and interpret the data in the way it is intended? Is the guidance provided or planned sufficient? Are there any oddities due to how O365 tools are used that need to be documented and explained? </a:t>
+              <a:t>Do managers understand how to use the tool and interpret the data in the way it is intended? Is the guidance provided or planned sufficient? Are there any oddities due to how O365 tools are used that need to be documented and explained? </a:t>
             </a:r>
           </a:p>
           <a:p>
@@ -28143,7 +28257,7 @@
                 </a:solidFill>
                 <a:latin typeface="Segoe UI" panose="020B0502040204020203" pitchFamily="34" charset="0"/>
               </a:rPr>
-              <a:t>Can we see a clear path to attaining the agreed objectives for the programme? Do any of them need to be revisited? Are there any additional steps that should be planned to maximize value?</a:t>
+              <a:t>Can we see a clear path to attaining the agreed objectives for the program? Do any of them need to be revisited? Are there any additional steps that should be planned to maximize value?</a:t>
             </a:r>
           </a:p>
           <a:p>
@@ -28956,7 +29070,7 @@
                 <a:latin typeface="Segoe UI"/>
                 <a:cs typeface="Segoe UI"/>
               </a:rPr>
-              <a:t>The executive sponsor is an influential senior leader who actively promotes the value of developing better management habits.</a:t>
+              <a:t>The executive sponsor is an influential senior leader who actively promotes the value of developing better management habits</a:t>
             </a:r>
             <a:endParaRPr kumimoji="0" lang="en-US" sz="2400" i="0" u="none" strike="noStrike" kern="1200" cap="none" spc="0" normalizeH="0" baseline="0" noProof="0" dirty="0">
               <a:ln>
@@ -29286,7 +29400,7 @@
           <a:p>
             <a:r>
               <a:rPr lang="en-US" dirty="0"/>
-              <a:t>Programme manager</a:t>
+              <a:t>Program manager</a:t>
             </a:r>
           </a:p>
         </p:txBody>
@@ -29306,7 +29420,7 @@
         <p:spPr>
           <a:xfrm>
             <a:off x="233415" y="1179838"/>
-            <a:ext cx="11895659" cy="960180"/>
+            <a:ext cx="11895659" cy="627781"/>
           </a:xfrm>
           <a:prstGeom prst="rect">
             <a:avLst/>
@@ -29333,7 +29447,7 @@
                 <a:latin typeface="Segoe UI" panose="020B0502040204020203" pitchFamily="34" charset="0"/>
                 <a:cs typeface="Segoe UI" panose="020B0502040204020203" pitchFamily="34" charset="0"/>
               </a:rPr>
-              <a:t>The Programme manager is the main architect of the program and leads implementation. </a:t>
+              <a:t>The program manager is the main architect of the program and leads implementation </a:t>
             </a:r>
             <a:endParaRPr kumimoji="0" lang="en-US" sz="2400" i="0" u="none" strike="noStrike" kern="1200" cap="none" spc="0" normalizeH="0" baseline="0" noProof="0" dirty="0">
               <a:ln>
@@ -30844,18 +30958,6 @@
 </file>
 
 <file path=customXml/item2.xml><?xml version="1.0" encoding="utf-8"?>
-<p:properties xmlns:p="http://schemas.microsoft.com/office/2006/metadata/properties" xmlns:xsi="http://www.w3.org/2001/XMLSchema-instance" xmlns:pc="http://schemas.microsoft.com/office/infopath/2007/PartnerControls">
-  <documentManagement>
-    <MediaServiceKeyPoints xmlns="f7071f35-5c89-41b3-924a-c2ad6ce205e1" xsi:nil="true"/>
-    <Tags xmlns="f7071f35-5c89-41b3-924a-c2ad6ce205e1"/>
-    <Date xmlns="f7071f35-5c89-41b3-924a-c2ad6ce205e1" xsi:nil="true"/>
-    <jt8m xmlns="f7071f35-5c89-41b3-924a-c2ad6ce205e1" xsi:nil="true"/>
-    <MediaServiceTranscript xmlns="f7071f35-5c89-41b3-924a-c2ad6ce205e1" xsi:nil="true"/>
-  </documentManagement>
-</p:properties>
-</file>
-
-<file path=customXml/item3.xml><?xml version="1.0" encoding="utf-8"?>
 <ct:contentTypeSchema xmlns:ct="http://schemas.microsoft.com/office/2006/metadata/contentType" xmlns:ma="http://schemas.microsoft.com/office/2006/metadata/properties/metaAttributes" ct:_="" ma:_="" ma:contentTypeName="Document" ma:contentTypeID="0x010100FA1AE11B11710B4C93585091258EFE17" ma:contentTypeVersion="17" ma:contentTypeDescription="Create a new document." ma:contentTypeScope="" ma:versionID="d3c49ce951d973232a0782bfe48bd1f1">
   <xsd:schema xmlns:xsd="http://www.w3.org/2001/XMLSchema" xmlns:xs="http://www.w3.org/2001/XMLSchema" xmlns:p="http://schemas.microsoft.com/office/2006/metadata/properties" xmlns:ns2="f7071f35-5c89-41b3-924a-c2ad6ce205e1" xmlns:ns3="a3244b0c-843b-4237-abd6-d822de19512e" targetNamespace="http://schemas.microsoft.com/office/2006/metadata/properties" ma:root="true" ma:fieldsID="e11b45c6a37239a192ae913a656907b7" ns2:_="" ns3:_="">
     <xsd:import namespace="f7071f35-5c89-41b3-924a-c2ad6ce205e1"/>
@@ -31134,6 +31236,18 @@
 </ct:contentTypeSchema>
 </file>
 
+<file path=customXml/item3.xml><?xml version="1.0" encoding="utf-8"?>
+<p:properties xmlns:p="http://schemas.microsoft.com/office/2006/metadata/properties" xmlns:xsi="http://www.w3.org/2001/XMLSchema-instance" xmlns:pc="http://schemas.microsoft.com/office/infopath/2007/PartnerControls">
+  <documentManagement>
+    <MediaServiceKeyPoints xmlns="f7071f35-5c89-41b3-924a-c2ad6ce205e1" xsi:nil="true"/>
+    <Tags xmlns="f7071f35-5c89-41b3-924a-c2ad6ce205e1"/>
+    <Date xmlns="f7071f35-5c89-41b3-924a-c2ad6ce205e1" xsi:nil="true"/>
+    <jt8m xmlns="f7071f35-5c89-41b3-924a-c2ad6ce205e1" xsi:nil="true"/>
+    <MediaServiceTranscript xmlns="f7071f35-5c89-41b3-924a-c2ad6ce205e1" xsi:nil="true"/>
+  </documentManagement>
+</p:properties>
+</file>
+
 <file path=customXml/itemProps1.xml><?xml version="1.0" encoding="utf-8"?>
 <ds:datastoreItem xmlns:ds="http://schemas.openxmlformats.org/officeDocument/2006/customXml" ds:itemID="{21AAB0BA-1AAF-461B-992C-F6FAFF59E84D}">
   <ds:schemaRefs>
@@ -31143,6 +31257,25 @@
 </file>
 
 <file path=customXml/itemProps2.xml><?xml version="1.0" encoding="utf-8"?>
+<ds:datastoreItem xmlns:ds="http://schemas.openxmlformats.org/officeDocument/2006/customXml" ds:itemID="{D4CB928E-839B-4F34-A9C6-7A29259037C4}">
+  <ds:schemaRefs>
+    <ds:schemaRef ds:uri="http://schemas.microsoft.com/office/2006/metadata/contentType"/>
+    <ds:schemaRef ds:uri="http://schemas.microsoft.com/office/2006/metadata/properties/metaAttributes"/>
+    <ds:schemaRef ds:uri="http://www.w3.org/2001/XMLSchema"/>
+    <ds:schemaRef ds:uri="http://schemas.microsoft.com/office/2006/metadata/properties"/>
+    <ds:schemaRef ds:uri="f7071f35-5c89-41b3-924a-c2ad6ce205e1"/>
+    <ds:schemaRef ds:uri="a3244b0c-843b-4237-abd6-d822de19512e"/>
+    <ds:schemaRef ds:uri="http://schemas.microsoft.com/office/2006/documentManagement/types"/>
+    <ds:schemaRef ds:uri="http://schemas.microsoft.com/office/infopath/2007/PartnerControls"/>
+    <ds:schemaRef ds:uri="http://schemas.openxmlformats.org/package/2006/metadata/core-properties"/>
+    <ds:schemaRef ds:uri="http://purl.org/dc/elements/1.1/"/>
+    <ds:schemaRef ds:uri="http://purl.org/dc/terms/"/>
+    <ds:schemaRef ds:uri="http://schemas.microsoft.com/internal/obd"/>
+  </ds:schemaRefs>
+</ds:datastoreItem>
+</file>
+
+<file path=customXml/itemProps3.xml><?xml version="1.0" encoding="utf-8"?>
 <ds:datastoreItem xmlns:ds="http://schemas.openxmlformats.org/officeDocument/2006/customXml" ds:itemID="{4F6EFB42-5F73-44F1-A38C-5F8D84730A18}">
   <ds:schemaRefs>
     <ds:schemaRef ds:uri="a3244b0c-843b-4237-abd6-d822de19512e"/>
@@ -31159,21 +31292,8 @@
 </ds:datastoreItem>
 </file>
 
-<file path=customXml/itemProps3.xml><?xml version="1.0" encoding="utf-8"?>
-<ds:datastoreItem xmlns:ds="http://schemas.openxmlformats.org/officeDocument/2006/customXml" ds:itemID="{D4CB928E-839B-4F34-A9C6-7A29259037C4}">
-  <ds:schemaRefs>
-    <ds:schemaRef ds:uri="http://schemas.microsoft.com/office/2006/metadata/contentType"/>
-    <ds:schemaRef ds:uri="http://schemas.microsoft.com/office/2006/metadata/properties/metaAttributes"/>
-    <ds:schemaRef ds:uri="http://www.w3.org/2001/XMLSchema"/>
-    <ds:schemaRef ds:uri="http://schemas.microsoft.com/office/2006/metadata/properties"/>
-    <ds:schemaRef ds:uri="f7071f35-5c89-41b3-924a-c2ad6ce205e1"/>
-    <ds:schemaRef ds:uri="a3244b0c-843b-4237-abd6-d822de19512e"/>
-    <ds:schemaRef ds:uri="http://schemas.microsoft.com/office/2006/documentManagement/types"/>
-    <ds:schemaRef ds:uri="http://schemas.microsoft.com/office/infopath/2007/PartnerControls"/>
-    <ds:schemaRef ds:uri="http://schemas.openxmlformats.org/package/2006/metadata/core-properties"/>
-    <ds:schemaRef ds:uri="http://purl.org/dc/elements/1.1/"/>
-    <ds:schemaRef ds:uri="http://purl.org/dc/terms/"/>
-    <ds:schemaRef ds:uri="http://schemas.microsoft.com/internal/obd"/>
-  </ds:schemaRefs>
-</ds:datastoreItem>
+<file path=docMetadata/LabelInfo.xml><?xml version="1.0" encoding="utf-8"?>
+<clbl:labelList xmlns:clbl="http://schemas.microsoft.com/office/2020/mipLabelMetadata">
+  <clbl:label id="{f42aa342-8706-4288-bd11-ebb85995028c}" enabled="1" method="Privileged" siteId="{72f988bf-86f1-41af-91ab-2d7cd011db47}" removed="0"/>
+</clbl:labelList>
 </file>